--- a/2_CSS.pptx
+++ b/2_CSS.pptx
@@ -5,7 +5,7 @@
     <p:sldMasterId id="2147483648" r:id="rId1"/>
   </p:sldMasterIdLst>
   <p:notesMasterIdLst>
-    <p:notesMasterId r:id="rId13"/>
+    <p:notesMasterId r:id="rId14"/>
   </p:notesMasterIdLst>
   <p:sldIdLst>
     <p:sldId id="256" r:id="rId2"/>
@@ -19,6 +19,7 @@
     <p:sldId id="334" r:id="rId10"/>
     <p:sldId id="320" r:id="rId11"/>
     <p:sldId id="349" r:id="rId12"/>
+    <p:sldId id="350" r:id="rId13"/>
   </p:sldIdLst>
   <p:sldSz cx="12192000" cy="6858000"/>
   <p:notesSz cx="6858000" cy="9144000"/>
@@ -207,7 +208,7 @@
           <a:p>
             <a:fld id="{B5D7434C-48CE-114A-AD66-A0A76C8863DC}" type="datetimeFigureOut">
               <a:rPr lang="en-US" smtClean="0"/>
-              <a:t>1/7/22</a:t>
+              <a:t>1/26/22</a:t>
             </a:fld>
             <a:endParaRPr lang="en-US"/>
           </a:p>
@@ -944,7 +945,7 @@
             <a:fld id="{87DE6118-2437-4B30-8E3C-4D2BE6020583}" type="datetimeFigureOut">
               <a:rPr lang="en-US" dirty="0"/>
               <a:pPr/>
-              <a:t>1/7/22</a:t>
+              <a:t>1/26/22</a:t>
             </a:fld>
             <a:endParaRPr lang="en-US" dirty="0"/>
           </a:p>
@@ -1270,7 +1271,7 @@
           <a:p>
             <a:fld id="{87DE6118-2437-4B30-8E3C-4D2BE6020583}" type="datetimeFigureOut">
               <a:rPr lang="en-US" dirty="0"/>
-              <a:t>1/7/22</a:t>
+              <a:t>1/26/22</a:t>
             </a:fld>
             <a:endParaRPr lang="en-US" dirty="0"/>
           </a:p>
@@ -1445,7 +1446,7 @@
           <a:p>
             <a:fld id="{87DE6118-2437-4B30-8E3C-4D2BE6020583}" type="datetimeFigureOut">
               <a:rPr lang="en-US" dirty="0"/>
-              <a:t>1/7/22</a:t>
+              <a:t>1/26/22</a:t>
             </a:fld>
             <a:endParaRPr lang="en-US" dirty="0"/>
           </a:p>
@@ -1656,7 +1657,7 @@
           <a:p>
             <a:fld id="{87DE6118-2437-4B30-8E3C-4D2BE6020583}" type="datetimeFigureOut">
               <a:rPr lang="en-US" dirty="0"/>
-              <a:t>1/7/22</a:t>
+              <a:t>1/26/22</a:t>
             </a:fld>
             <a:endParaRPr lang="en-US" dirty="0"/>
           </a:p>
@@ -1939,7 +1940,7 @@
             <a:fld id="{87DE6118-2437-4B30-8E3C-4D2BE6020583}" type="datetimeFigureOut">
               <a:rPr lang="en-US" dirty="0"/>
               <a:pPr/>
-              <a:t>1/7/22</a:t>
+              <a:t>1/26/22</a:t>
             </a:fld>
             <a:endParaRPr lang="en-US" dirty="0"/>
           </a:p>
@@ -2329,7 +2330,7 @@
           <a:p>
             <a:fld id="{87DE6118-2437-4B30-8E3C-4D2BE6020583}" type="datetimeFigureOut">
               <a:rPr lang="en-US" dirty="0"/>
-              <a:t>1/7/22</a:t>
+              <a:t>1/26/22</a:t>
             </a:fld>
             <a:endParaRPr lang="en-US" dirty="0"/>
           </a:p>
@@ -2801,7 +2802,7 @@
           <a:p>
             <a:fld id="{87DE6118-2437-4B30-8E3C-4D2BE6020583}" type="datetimeFigureOut">
               <a:rPr lang="en-US" dirty="0"/>
-              <a:t>1/7/22</a:t>
+              <a:t>1/26/22</a:t>
             </a:fld>
             <a:endParaRPr lang="en-US" dirty="0"/>
           </a:p>
@@ -2914,7 +2915,7 @@
           <a:p>
             <a:fld id="{87DE6118-2437-4B30-8E3C-4D2BE6020583}" type="datetimeFigureOut">
               <a:rPr lang="en-US" dirty="0"/>
-              <a:t>1/7/22</a:t>
+              <a:t>1/26/22</a:t>
             </a:fld>
             <a:endParaRPr lang="en-US" dirty="0"/>
           </a:p>
@@ -3004,7 +3005,7 @@
           <a:p>
             <a:fld id="{87DE6118-2437-4B30-8E3C-4D2BE6020583}" type="datetimeFigureOut">
               <a:rPr lang="en-US" dirty="0"/>
-              <a:t>1/7/22</a:t>
+              <a:t>1/26/22</a:t>
             </a:fld>
             <a:endParaRPr lang="en-US" dirty="0"/>
           </a:p>
@@ -3346,7 +3347,7 @@
             <a:fld id="{87DE6118-2437-4B30-8E3C-4D2BE6020583}" type="datetimeFigureOut">
               <a:rPr lang="en-US" dirty="0"/>
               <a:pPr/>
-              <a:t>1/7/22</a:t>
+              <a:t>1/26/22</a:t>
             </a:fld>
             <a:endParaRPr lang="en-US" dirty="0"/>
           </a:p>
@@ -3731,7 +3732,7 @@
             <a:fld id="{87DE6118-2437-4B30-8E3C-4D2BE6020583}" type="datetimeFigureOut">
               <a:rPr lang="en-US" dirty="0"/>
               <a:pPr/>
-              <a:t>1/7/22</a:t>
+              <a:t>1/26/22</a:t>
             </a:fld>
             <a:endParaRPr lang="en-US" dirty="0"/>
           </a:p>
@@ -4006,7 +4007,7 @@
             <a:fld id="{87DE6118-2437-4B30-8E3C-4D2BE6020583}" type="datetimeFigureOut">
               <a:rPr lang="en-US" dirty="0"/>
               <a:pPr/>
-              <a:t>1/7/22</a:t>
+              <a:t>1/26/22</a:t>
             </a:fld>
             <a:endParaRPr lang="en-US" dirty="0"/>
           </a:p>
@@ -4757,7 +4758,7 @@
         </p:nvSpPr>
         <p:spPr>
           <a:xfrm>
-            <a:off x="1371599" y="2262753"/>
+            <a:off x="1371599" y="1421150"/>
             <a:ext cx="4114801" cy="2677656"/>
           </a:xfrm>
           <a:prstGeom prst="rect">
@@ -4888,10 +4889,244 @@
           </a:prstGeom>
         </p:spPr>
       </p:pic>
+      <p:sp>
+        <p:nvSpPr>
+          <p:cNvPr id="8" name="TextBox 7">
+            <a:extLst>
+              <a:ext uri="{FF2B5EF4-FFF2-40B4-BE49-F238E27FC236}">
+                <a16:creationId xmlns:a16="http://schemas.microsoft.com/office/drawing/2014/main" id="{45F2A3E6-B39F-4F4E-9BDD-2FB795F0A84A}"/>
+              </a:ext>
+            </a:extLst>
+          </p:cNvPr>
+          <p:cNvSpPr txBox="1"/>
+          <p:nvPr/>
+        </p:nvSpPr>
+        <p:spPr>
+          <a:xfrm>
+            <a:off x="1371598" y="4256547"/>
+            <a:ext cx="3823857" cy="1785104"/>
+          </a:xfrm>
+          <a:prstGeom prst="rect">
+            <a:avLst/>
+          </a:prstGeom>
+          <a:noFill/>
+        </p:spPr>
+        <p:txBody>
+          <a:bodyPr wrap="square" rtlCol="0">
+            <a:spAutoFit/>
+          </a:bodyPr>
+          <a:lstStyle/>
+          <a:p>
+            <a:r>
+              <a:rPr lang="en-US" sz="2200" b="1" dirty="0">
+                <a:solidFill>
+                  <a:srgbClr val="FF0000"/>
+                </a:solidFill>
+                <a:latin typeface="Calibri" panose="020F0502020204030204" pitchFamily="34" charset="0"/>
+                <a:cs typeface="Calibri" panose="020F0502020204030204" pitchFamily="34" charset="0"/>
+              </a:rPr>
+              <a:t>When you are done, please remember to upload your .html file to: </a:t>
+            </a:r>
+          </a:p>
+          <a:p>
+            <a:r>
+              <a:rPr lang="en-US" sz="2200" b="1" u="sng" dirty="0" err="1">
+                <a:solidFill>
+                  <a:srgbClr val="FF0000"/>
+                </a:solidFill>
+                <a:latin typeface="Calibri" panose="020F0502020204030204" pitchFamily="34" charset="0"/>
+                <a:cs typeface="Calibri" panose="020F0502020204030204" pitchFamily="34" charset="0"/>
+              </a:rPr>
+              <a:t>tinyurl.com</a:t>
+            </a:r>
+            <a:r>
+              <a:rPr lang="en-US" sz="2200" b="1" u="sng" dirty="0">
+                <a:solidFill>
+                  <a:srgbClr val="FF0000"/>
+                </a:solidFill>
+                <a:latin typeface="Calibri" panose="020F0502020204030204" pitchFamily="34" charset="0"/>
+                <a:cs typeface="Calibri" panose="020F0502020204030204" pitchFamily="34" charset="0"/>
+              </a:rPr>
+              <a:t>/</a:t>
+            </a:r>
+            <a:r>
+              <a:rPr lang="en-US" sz="2200" b="1" u="sng" dirty="0" err="1">
+                <a:solidFill>
+                  <a:srgbClr val="FF0000"/>
+                </a:solidFill>
+                <a:latin typeface="Calibri" panose="020F0502020204030204" pitchFamily="34" charset="0"/>
+                <a:cs typeface="Calibri" panose="020F0502020204030204" pitchFamily="34" charset="0"/>
+              </a:rPr>
+              <a:t>nanwpwbu</a:t>
+            </a:r>
+            <a:endParaRPr lang="en-US" sz="2200" b="1" u="sng" dirty="0">
+              <a:solidFill>
+                <a:srgbClr val="FF0000"/>
+              </a:solidFill>
+              <a:latin typeface="Calibri" panose="020F0502020204030204" pitchFamily="34" charset="0"/>
+              <a:cs typeface="Calibri" panose="020F0502020204030204" pitchFamily="34" charset="0"/>
+            </a:endParaRPr>
+          </a:p>
+          <a:p>
+            <a:endParaRPr lang="en-US" sz="2200" b="1" dirty="0">
+              <a:solidFill>
+                <a:srgbClr val="FF0000"/>
+              </a:solidFill>
+              <a:latin typeface="Calibri" panose="020F0502020204030204" pitchFamily="34" charset="0"/>
+              <a:cs typeface="Calibri" panose="020F0502020204030204" pitchFamily="34" charset="0"/>
+            </a:endParaRPr>
+          </a:p>
+        </p:txBody>
+      </p:sp>
     </p:spTree>
     <p:extLst>
       <p:ext uri="{BB962C8B-B14F-4D97-AF65-F5344CB8AC3E}">
         <p14:creationId xmlns:p14="http://schemas.microsoft.com/office/powerpoint/2010/main" val="1966698227"/>
+      </p:ext>
+    </p:extLst>
+  </p:cSld>
+  <p:clrMapOvr>
+    <a:masterClrMapping/>
+  </p:clrMapOvr>
+</p:sld>
+</file>
+
+<file path=ppt/slides/slide12.xml><?xml version="1.0" encoding="utf-8"?>
+<p:sld xmlns:a="http://schemas.openxmlformats.org/drawingml/2006/main" xmlns:r="http://schemas.openxmlformats.org/officeDocument/2006/relationships" xmlns:p="http://schemas.openxmlformats.org/presentationml/2006/main">
+  <p:cSld>
+    <p:spTree>
+      <p:nvGrpSpPr>
+        <p:cNvPr id="1" name=""/>
+        <p:cNvGrpSpPr/>
+        <p:nvPr/>
+      </p:nvGrpSpPr>
+      <p:grpSpPr>
+        <a:xfrm>
+          <a:off x="0" y="0"/>
+          <a:ext cx="0" cy="0"/>
+          <a:chOff x="0" y="0"/>
+          <a:chExt cx="0" cy="0"/>
+        </a:xfrm>
+      </p:grpSpPr>
+      <p:sp>
+        <p:nvSpPr>
+          <p:cNvPr id="2" name="Title 1">
+            <a:extLst>
+              <a:ext uri="{FF2B5EF4-FFF2-40B4-BE49-F238E27FC236}">
+                <a16:creationId xmlns:a16="http://schemas.microsoft.com/office/drawing/2014/main" id="{EF988ECD-C2C6-B14C-99B6-10BB292801E2}"/>
+              </a:ext>
+            </a:extLst>
+          </p:cNvPr>
+          <p:cNvSpPr>
+            <a:spLocks noGrp="1"/>
+          </p:cNvSpPr>
+          <p:nvPr>
+            <p:ph type="title"/>
+          </p:nvPr>
+        </p:nvSpPr>
+        <p:spPr/>
+        <p:txBody>
+          <a:bodyPr/>
+          <a:lstStyle/>
+          <a:p>
+            <a:endParaRPr lang="en-US"/>
+          </a:p>
+        </p:txBody>
+      </p:sp>
+      <p:sp>
+        <p:nvSpPr>
+          <p:cNvPr id="3" name="Content Placeholder 2">
+            <a:extLst>
+              <a:ext uri="{FF2B5EF4-FFF2-40B4-BE49-F238E27FC236}">
+                <a16:creationId xmlns:a16="http://schemas.microsoft.com/office/drawing/2014/main" id="{E8BD144B-02AB-7147-B413-C8A0D0D60748}"/>
+              </a:ext>
+            </a:extLst>
+          </p:cNvPr>
+          <p:cNvSpPr>
+            <a:spLocks noGrp="1"/>
+          </p:cNvSpPr>
+          <p:nvPr>
+            <p:ph idx="1"/>
+          </p:nvPr>
+        </p:nvSpPr>
+        <p:spPr/>
+        <p:txBody>
+          <a:bodyPr/>
+          <a:lstStyle/>
+          <a:p>
+            <a:endParaRPr lang="en-US"/>
+          </a:p>
+        </p:txBody>
+      </p:sp>
+      <p:sp>
+        <p:nvSpPr>
+          <p:cNvPr id="4" name="Rectangle 3">
+            <a:extLst>
+              <a:ext uri="{FF2B5EF4-FFF2-40B4-BE49-F238E27FC236}">
+                <a16:creationId xmlns:a16="http://schemas.microsoft.com/office/drawing/2014/main" id="{BD2572DB-63CF-5C44-AA0C-5B79AB933D0E}"/>
+              </a:ext>
+            </a:extLst>
+          </p:cNvPr>
+          <p:cNvSpPr/>
+          <p:nvPr/>
+        </p:nvSpPr>
+        <p:spPr>
+          <a:xfrm>
+            <a:off x="1887006" y="2551837"/>
+            <a:ext cx="8418010" cy="1754326"/>
+          </a:xfrm>
+          <a:prstGeom prst="rect">
+            <a:avLst/>
+          </a:prstGeom>
+          <a:noFill/>
+        </p:spPr>
+        <p:txBody>
+          <a:bodyPr wrap="none" lIns="91440" tIns="45720" rIns="91440" bIns="45720">
+            <a:spAutoFit/>
+          </a:bodyPr>
+          <a:lstStyle/>
+          <a:p>
+            <a:pPr algn="ctr"/>
+            <a:r>
+              <a:rPr lang="en-US" sz="5400" b="1" cap="none" spc="0" dirty="0">
+                <a:ln w="22225">
+                  <a:solidFill>
+                    <a:schemeClr val="accent2"/>
+                  </a:solidFill>
+                  <a:prstDash val="solid"/>
+                </a:ln>
+                <a:solidFill>
+                  <a:srgbClr val="FFC000"/>
+                </a:solidFill>
+                <a:effectLst/>
+              </a:rPr>
+              <a:t>&lt;Happy coding, everyone!/&gt;</a:t>
+            </a:r>
+          </a:p>
+          <a:p>
+            <a:pPr algn="ctr"/>
+            <a:r>
+              <a:rPr lang="en-US" sz="5400" b="1" cap="none" spc="0" dirty="0">
+                <a:ln w="22225">
+                  <a:solidFill>
+                    <a:schemeClr val="accent2"/>
+                  </a:solidFill>
+                  <a:prstDash val="solid"/>
+                </a:ln>
+                <a:solidFill>
+                  <a:srgbClr val="FFC000"/>
+                </a:solidFill>
+                <a:effectLst/>
+              </a:rPr>
+              <a:t>&lt;Thank you!/&gt;</a:t>
+            </a:r>
+          </a:p>
+        </p:txBody>
+      </p:sp>
+    </p:spTree>
+    <p:extLst>
+      <p:ext uri="{BB962C8B-B14F-4D97-AF65-F5344CB8AC3E}">
+        <p14:creationId xmlns:p14="http://schemas.microsoft.com/office/powerpoint/2010/main" val="1453886709"/>
       </p:ext>
     </p:extLst>
   </p:cSld>
